--- a/slides/beyond-http-microservices.pptx
+++ b/slides/beyond-http-microservices.pptx
@@ -270,7 +270,7 @@
           <a:p>
             <a:fld id="{846CE7D5-CF57-46EF-B807-FDD0502418D4}" type="datetimeFigureOut">
               <a:rPr lang="en-US" smtClean="0"/>
-              <a:t>3/17/2023</a:t>
+              <a:t>3/18/2023</a:t>
             </a:fld>
             <a:endParaRPr lang="en-US"/>
           </a:p>
@@ -438,7 +438,7 @@
           <a:p>
             <a:fld id="{846CE7D5-CF57-46EF-B807-FDD0502418D4}" type="datetimeFigureOut">
               <a:rPr lang="en-US" smtClean="0"/>
-              <a:t>3/17/2023</a:t>
+              <a:t>3/18/2023</a:t>
             </a:fld>
             <a:endParaRPr lang="en-US"/>
           </a:p>
@@ -616,7 +616,7 @@
           <a:p>
             <a:fld id="{846CE7D5-CF57-46EF-B807-FDD0502418D4}" type="datetimeFigureOut">
               <a:rPr lang="en-US" smtClean="0"/>
-              <a:t>3/17/2023</a:t>
+              <a:t>3/18/2023</a:t>
             </a:fld>
             <a:endParaRPr lang="en-US"/>
           </a:p>
@@ -784,7 +784,7 @@
           <a:p>
             <a:fld id="{846CE7D5-CF57-46EF-B807-FDD0502418D4}" type="datetimeFigureOut">
               <a:rPr lang="en-US" smtClean="0"/>
-              <a:t>3/17/2023</a:t>
+              <a:t>3/18/2023</a:t>
             </a:fld>
             <a:endParaRPr lang="en-US"/>
           </a:p>
@@ -1029,7 +1029,7 @@
           <a:p>
             <a:fld id="{846CE7D5-CF57-46EF-B807-FDD0502418D4}" type="datetimeFigureOut">
               <a:rPr lang="en-US" smtClean="0"/>
-              <a:t>3/17/2023</a:t>
+              <a:t>3/18/2023</a:t>
             </a:fld>
             <a:endParaRPr lang="en-US"/>
           </a:p>
@@ -1258,7 +1258,7 @@
           <a:p>
             <a:fld id="{846CE7D5-CF57-46EF-B807-FDD0502418D4}" type="datetimeFigureOut">
               <a:rPr lang="en-US" smtClean="0"/>
-              <a:t>3/17/2023</a:t>
+              <a:t>3/18/2023</a:t>
             </a:fld>
             <a:endParaRPr lang="en-US"/>
           </a:p>
@@ -1622,7 +1622,7 @@
           <a:p>
             <a:fld id="{846CE7D5-CF57-46EF-B807-FDD0502418D4}" type="datetimeFigureOut">
               <a:rPr lang="en-US" smtClean="0"/>
-              <a:t>3/17/2023</a:t>
+              <a:t>3/18/2023</a:t>
             </a:fld>
             <a:endParaRPr lang="en-US"/>
           </a:p>
@@ -1739,7 +1739,7 @@
           <a:p>
             <a:fld id="{846CE7D5-CF57-46EF-B807-FDD0502418D4}" type="datetimeFigureOut">
               <a:rPr lang="en-US" smtClean="0"/>
-              <a:t>3/17/2023</a:t>
+              <a:t>3/18/2023</a:t>
             </a:fld>
             <a:endParaRPr lang="en-US"/>
           </a:p>
@@ -1834,7 +1834,7 @@
           <a:p>
             <a:fld id="{846CE7D5-CF57-46EF-B807-FDD0502418D4}" type="datetimeFigureOut">
               <a:rPr lang="en-US" smtClean="0"/>
-              <a:t>3/17/2023</a:t>
+              <a:t>3/18/2023</a:t>
             </a:fld>
             <a:endParaRPr lang="en-US"/>
           </a:p>
@@ -2109,7 +2109,7 @@
           <a:p>
             <a:fld id="{846CE7D5-CF57-46EF-B807-FDD0502418D4}" type="datetimeFigureOut">
               <a:rPr lang="en-US" smtClean="0"/>
-              <a:t>3/17/2023</a:t>
+              <a:t>3/18/2023</a:t>
             </a:fld>
             <a:endParaRPr lang="en-US"/>
           </a:p>
@@ -2364,7 +2364,7 @@
           <a:p>
             <a:fld id="{846CE7D5-CF57-46EF-B807-FDD0502418D4}" type="datetimeFigureOut">
               <a:rPr lang="en-US" smtClean="0"/>
-              <a:t>3/17/2023</a:t>
+              <a:t>3/18/2023</a:t>
             </a:fld>
             <a:endParaRPr lang="en-US"/>
           </a:p>
@@ -2575,7 +2575,7 @@
           <a:p>
             <a:fld id="{846CE7D5-CF57-46EF-B807-FDD0502418D4}" type="datetimeFigureOut">
               <a:rPr lang="en-US" smtClean="0"/>
-              <a:t>3/17/2023</a:t>
+              <a:t>3/18/2023</a:t>
             </a:fld>
             <a:endParaRPr lang="en-US"/>
           </a:p>
@@ -11153,6 +11153,88 @@
           </a:p>
         </p:txBody>
       </p:sp>
+      <p:sp>
+        <p:nvSpPr>
+          <p:cNvPr id="6" name="TextBox 5">
+            <a:extLst>
+              <a:ext uri="{FF2B5EF4-FFF2-40B4-BE49-F238E27FC236}">
+                <a16:creationId xmlns:a16="http://schemas.microsoft.com/office/drawing/2014/main" id="{1BB797C2-6D07-725B-680C-A8A6BF588F79}"/>
+              </a:ext>
+            </a:extLst>
+          </p:cNvPr>
+          <p:cNvSpPr txBox="1"/>
+          <p:nvPr/>
+        </p:nvSpPr>
+        <p:spPr>
+          <a:xfrm>
+            <a:off x="3291841" y="5996177"/>
+            <a:ext cx="6259484" cy="492443"/>
+          </a:xfrm>
+          <a:prstGeom prst="rect">
+            <a:avLst/>
+          </a:prstGeom>
+          <a:noFill/>
+        </p:spPr>
+        <p:txBody>
+          <a:bodyPr wrap="square" rtlCol="0">
+            <a:spAutoFit/>
+          </a:bodyPr>
+          <a:lstStyle/>
+          <a:p>
+            <a:r>
+              <a:rPr lang="en-NZ" sz="1300" b="1" dirty="0"/>
+              <a:t>Join the community on Discord: bit.ly/</a:t>
+            </a:r>
+            <a:r>
+              <a:rPr lang="en-NZ" sz="1300" b="1" dirty="0" err="1"/>
+              <a:t>fermyondiscord</a:t>
+            </a:r>
+            <a:endParaRPr lang="en-NZ" sz="1300" b="1" dirty="0"/>
+          </a:p>
+          <a:p>
+            <a:r>
+              <a:rPr lang="en-NZ" sz="1300" b="1" dirty="0"/>
+              <a:t>Follow along on Twitter: @fermyontech @spinframework</a:t>
+            </a:r>
+          </a:p>
+        </p:txBody>
+      </p:sp>
+      <p:pic>
+        <p:nvPicPr>
+          <p:cNvPr id="9" name="Picture 8" descr="A picture containing text, dark, close&#10;&#10;Description automatically generated">
+            <a:extLst>
+              <a:ext uri="{FF2B5EF4-FFF2-40B4-BE49-F238E27FC236}">
+                <a16:creationId xmlns:a16="http://schemas.microsoft.com/office/drawing/2014/main" id="{E66C6B22-D5DD-52AD-E659-C5C85C6F14C2}"/>
+              </a:ext>
+            </a:extLst>
+          </p:cNvPr>
+          <p:cNvPicPr>
+            <a:picLocks noChangeAspect="1"/>
+          </p:cNvPicPr>
+          <p:nvPr/>
+        </p:nvPicPr>
+        <p:blipFill>
+          <a:blip r:embed="rId6" cstate="print">
+            <a:extLst>
+              <a:ext uri="{28A0092B-C50C-407E-A947-70E740481C1C}">
+                <a14:useLocalDpi xmlns:a14="http://schemas.microsoft.com/office/drawing/2010/main" val="0"/>
+              </a:ext>
+            </a:extLst>
+          </a:blip>
+          <a:stretch>
+            <a:fillRect/>
+          </a:stretch>
+        </p:blipFill>
+        <p:spPr>
+          <a:xfrm>
+            <a:off x="530503" y="6093229"/>
+            <a:ext cx="2613697" cy="316696"/>
+          </a:xfrm>
+          <a:prstGeom prst="rect">
+            <a:avLst/>
+          </a:prstGeom>
+        </p:spPr>
+      </p:pic>
     </p:spTree>
     <p:extLst>
       <p:ext uri="{BB962C8B-B14F-4D97-AF65-F5344CB8AC3E}">

--- a/slides/beyond-http-microservices.pptx
+++ b/slides/beyond-http-microservices.pptx
@@ -270,7 +270,7 @@
           <a:p>
             <a:fld id="{846CE7D5-CF57-46EF-B807-FDD0502418D4}" type="datetimeFigureOut">
               <a:rPr lang="en-US" smtClean="0"/>
-              <a:t>3/18/2023</a:t>
+              <a:t>3/21/23</a:t>
             </a:fld>
             <a:endParaRPr lang="en-US"/>
           </a:p>
@@ -438,7 +438,7 @@
           <a:p>
             <a:fld id="{846CE7D5-CF57-46EF-B807-FDD0502418D4}" type="datetimeFigureOut">
               <a:rPr lang="en-US" smtClean="0"/>
-              <a:t>3/18/2023</a:t>
+              <a:t>3/21/23</a:t>
             </a:fld>
             <a:endParaRPr lang="en-US"/>
           </a:p>
@@ -616,7 +616,7 @@
           <a:p>
             <a:fld id="{846CE7D5-CF57-46EF-B807-FDD0502418D4}" type="datetimeFigureOut">
               <a:rPr lang="en-US" smtClean="0"/>
-              <a:t>3/18/2023</a:t>
+              <a:t>3/21/23</a:t>
             </a:fld>
             <a:endParaRPr lang="en-US"/>
           </a:p>
@@ -784,7 +784,7 @@
           <a:p>
             <a:fld id="{846CE7D5-CF57-46EF-B807-FDD0502418D4}" type="datetimeFigureOut">
               <a:rPr lang="en-US" smtClean="0"/>
-              <a:t>3/18/2023</a:t>
+              <a:t>3/21/23</a:t>
             </a:fld>
             <a:endParaRPr lang="en-US"/>
           </a:p>
@@ -1029,7 +1029,7 @@
           <a:p>
             <a:fld id="{846CE7D5-CF57-46EF-B807-FDD0502418D4}" type="datetimeFigureOut">
               <a:rPr lang="en-US" smtClean="0"/>
-              <a:t>3/18/2023</a:t>
+              <a:t>3/21/23</a:t>
             </a:fld>
             <a:endParaRPr lang="en-US"/>
           </a:p>
@@ -1258,7 +1258,7 @@
           <a:p>
             <a:fld id="{846CE7D5-CF57-46EF-B807-FDD0502418D4}" type="datetimeFigureOut">
               <a:rPr lang="en-US" smtClean="0"/>
-              <a:t>3/18/2023</a:t>
+              <a:t>3/21/23</a:t>
             </a:fld>
             <a:endParaRPr lang="en-US"/>
           </a:p>
@@ -1622,7 +1622,7 @@
           <a:p>
             <a:fld id="{846CE7D5-CF57-46EF-B807-FDD0502418D4}" type="datetimeFigureOut">
               <a:rPr lang="en-US" smtClean="0"/>
-              <a:t>3/18/2023</a:t>
+              <a:t>3/21/23</a:t>
             </a:fld>
             <a:endParaRPr lang="en-US"/>
           </a:p>
@@ -1739,7 +1739,7 @@
           <a:p>
             <a:fld id="{846CE7D5-CF57-46EF-B807-FDD0502418D4}" type="datetimeFigureOut">
               <a:rPr lang="en-US" smtClean="0"/>
-              <a:t>3/18/2023</a:t>
+              <a:t>3/21/23</a:t>
             </a:fld>
             <a:endParaRPr lang="en-US"/>
           </a:p>
@@ -1834,7 +1834,7 @@
           <a:p>
             <a:fld id="{846CE7D5-CF57-46EF-B807-FDD0502418D4}" type="datetimeFigureOut">
               <a:rPr lang="en-US" smtClean="0"/>
-              <a:t>3/18/2023</a:t>
+              <a:t>3/21/23</a:t>
             </a:fld>
             <a:endParaRPr lang="en-US"/>
           </a:p>
@@ -2109,7 +2109,7 @@
           <a:p>
             <a:fld id="{846CE7D5-CF57-46EF-B807-FDD0502418D4}" type="datetimeFigureOut">
               <a:rPr lang="en-US" smtClean="0"/>
-              <a:t>3/18/2023</a:t>
+              <a:t>3/21/23</a:t>
             </a:fld>
             <a:endParaRPr lang="en-US"/>
           </a:p>
@@ -2364,7 +2364,7 @@
           <a:p>
             <a:fld id="{846CE7D5-CF57-46EF-B807-FDD0502418D4}" type="datetimeFigureOut">
               <a:rPr lang="en-US" smtClean="0"/>
-              <a:t>3/18/2023</a:t>
+              <a:t>3/21/23</a:t>
             </a:fld>
             <a:endParaRPr lang="en-US"/>
           </a:p>
@@ -2575,7 +2575,7 @@
           <a:p>
             <a:fld id="{846CE7D5-CF57-46EF-B807-FDD0502418D4}" type="datetimeFigureOut">
               <a:rPr lang="en-US" smtClean="0"/>
-              <a:t>3/18/2023</a:t>
+              <a:t>3/21/23</a:t>
             </a:fld>
             <a:endParaRPr lang="en-US"/>
           </a:p>
@@ -11167,8 +11167,8 @@
         </p:nvSpPr>
         <p:spPr>
           <a:xfrm>
-            <a:off x="3291841" y="5996177"/>
-            <a:ext cx="6259484" cy="492443"/>
+            <a:off x="1578085" y="5910778"/>
+            <a:ext cx="9310633" cy="646331"/>
           </a:xfrm>
           <a:prstGeom prst="rect">
             <a:avLst/>
@@ -11182,18 +11182,18 @@
           <a:lstStyle/>
           <a:p>
             <a:r>
-              <a:rPr lang="en-NZ" sz="1300" b="1" dirty="0"/>
+              <a:rPr lang="en-NZ" dirty="0"/>
               <a:t>Join the community on Discord: bit.ly/</a:t>
             </a:r>
             <a:r>
-              <a:rPr lang="en-NZ" sz="1300" b="1" dirty="0" err="1"/>
+              <a:rPr lang="en-NZ" dirty="0" err="1"/>
               <a:t>fermyondiscord</a:t>
             </a:r>
-            <a:endParaRPr lang="en-NZ" sz="1300" b="1" dirty="0"/>
+            <a:endParaRPr lang="en-NZ" dirty="0"/>
           </a:p>
           <a:p>
             <a:r>
-              <a:rPr lang="en-NZ" sz="1300" b="1" dirty="0"/>
+              <a:rPr lang="en-NZ" dirty="0"/>
               <a:t>Follow along on Twitter: @fermyontech @spinframework</a:t>
             </a:r>
           </a:p>
@@ -11201,38 +11201,49 @@
       </p:sp>
       <p:pic>
         <p:nvPicPr>
-          <p:cNvPr id="9" name="Picture 8" descr="A picture containing text, dark, close&#10;&#10;Description automatically generated">
-            <a:extLst>
-              <a:ext uri="{FF2B5EF4-FFF2-40B4-BE49-F238E27FC236}">
-                <a16:creationId xmlns:a16="http://schemas.microsoft.com/office/drawing/2014/main" id="{E66C6B22-D5DD-52AD-E659-C5C85C6F14C2}"/>
+          <p:cNvPr id="1026" name="Picture 2">
+            <a:extLst>
+              <a:ext uri="{FF2B5EF4-FFF2-40B4-BE49-F238E27FC236}">
+                <a16:creationId xmlns:a16="http://schemas.microsoft.com/office/drawing/2014/main" id="{2F22C221-6532-A3EA-96AC-6209302A8249}"/>
               </a:ext>
             </a:extLst>
           </p:cNvPr>
           <p:cNvPicPr>
-            <a:picLocks noChangeAspect="1"/>
+            <a:picLocks noChangeAspect="1" noChangeArrowheads="1"/>
           </p:cNvPicPr>
           <p:nvPr/>
         </p:nvPicPr>
         <p:blipFill>
-          <a:blip r:embed="rId6" cstate="print">
+          <a:blip r:embed="rId6">
             <a:extLst>
               <a:ext uri="{28A0092B-C50C-407E-A947-70E740481C1C}">
                 <a14:useLocalDpi xmlns:a14="http://schemas.microsoft.com/office/drawing/2010/main" val="0"/>
               </a:ext>
             </a:extLst>
           </a:blip>
+          <a:srcRect/>
           <a:stretch>
             <a:fillRect/>
           </a:stretch>
         </p:blipFill>
-        <p:spPr>
-          <a:xfrm>
-            <a:off x="530503" y="6093229"/>
-            <a:ext cx="2613697" cy="316696"/>
+        <p:spPr bwMode="auto">
+          <a:xfrm>
+            <a:off x="431135" y="5454852"/>
+            <a:ext cx="1039665" cy="1039665"/>
           </a:xfrm>
           <a:prstGeom prst="rect">
             <a:avLst/>
           </a:prstGeom>
+          <a:noFill/>
+          <a:extLst>
+            <a:ext uri="{909E8E84-426E-40DD-AFC4-6F175D3DCCD1}">
+              <a14:hiddenFill xmlns:a14="http://schemas.microsoft.com/office/drawing/2010/main">
+                <a:solidFill>
+                  <a:srgbClr val="FFFFFF"/>
+                </a:solidFill>
+              </a14:hiddenFill>
+            </a:ext>
+          </a:extLst>
         </p:spPr>
       </p:pic>
     </p:spTree>
